--- a/SIMPLE TASK MANAGER.pptx
+++ b/SIMPLE TASK MANAGER.pptx
@@ -5,15 +5,16 @@
     <p:sldMasterId id="2147483648" r:id="rId1"/>
   </p:sldMasterIdLst>
   <p:sldIdLst>
-    <p:sldId id="259" r:id="rId2"/>
-    <p:sldId id="260" r:id="rId3"/>
-    <p:sldId id="261" r:id="rId4"/>
-    <p:sldId id="262" r:id="rId5"/>
-    <p:sldId id="264" r:id="rId6"/>
-    <p:sldId id="265" r:id="rId7"/>
-    <p:sldId id="266" r:id="rId8"/>
-    <p:sldId id="267" r:id="rId9"/>
-    <p:sldId id="268" r:id="rId10"/>
+    <p:sldId id="269" r:id="rId2"/>
+    <p:sldId id="270" r:id="rId3"/>
+    <p:sldId id="260" r:id="rId4"/>
+    <p:sldId id="261" r:id="rId5"/>
+    <p:sldId id="262" r:id="rId6"/>
+    <p:sldId id="264" r:id="rId7"/>
+    <p:sldId id="265" r:id="rId8"/>
+    <p:sldId id="266" r:id="rId9"/>
+    <p:sldId id="267" r:id="rId10"/>
+    <p:sldId id="268" r:id="rId11"/>
   </p:sldIdLst>
   <p:sldSz cx="12192000" cy="6858000"/>
   <p:notesSz cx="6858000" cy="9144000"/>
@@ -112,6 +113,11 @@
       </a:defRPr>
     </a:lvl9pPr>
   </p:defaultTextStyle>
+  <p:extLst>
+    <p:ext uri="{EFAFB233-063F-42B5-8137-9DF3F51BA10A}">
+      <p15:sldGuideLst xmlns:p15="http://schemas.microsoft.com/office/powerpoint/2012/main"/>
+    </p:ext>
+  </p:extLst>
 </p:presentation>
 </file>
 
@@ -301,7 +307,7 @@
           <a:p>
             <a:fld id="{4AAD347D-5ACD-4C99-B74B-A9C85AD731AF}" type="datetimeFigureOut">
               <a:rPr lang="en-US" dirty="0"/>
-              <a:t>5/15/2024</a:t>
+              <a:t>8/30/2024</a:t>
             </a:fld>
             <a:endParaRPr lang="en-US" dirty="0"/>
           </a:p>
@@ -571,7 +577,7 @@
           <a:p>
             <a:fld id="{4509A250-FF31-4206-8172-F9D3106AACB1}" type="datetimeFigureOut">
               <a:rPr lang="en-US" dirty="0"/>
-              <a:t>5/15/2024</a:t>
+              <a:t>8/30/2024</a:t>
             </a:fld>
             <a:endParaRPr lang="en-US" dirty="0"/>
           </a:p>
@@ -760,7 +766,7 @@
           <a:p>
             <a:fld id="{4509A250-FF31-4206-8172-F9D3106AACB1}" type="datetimeFigureOut">
               <a:rPr lang="en-US" dirty="0"/>
-              <a:t>5/15/2024</a:t>
+              <a:t>8/30/2024</a:t>
             </a:fld>
             <a:endParaRPr lang="en-US" dirty="0"/>
           </a:p>
@@ -1028,7 +1034,7 @@
           <a:p>
             <a:fld id="{4509A250-FF31-4206-8172-F9D3106AACB1}" type="datetimeFigureOut">
               <a:rPr lang="en-US" dirty="0"/>
-              <a:t>5/15/2024</a:t>
+              <a:t>8/30/2024</a:t>
             </a:fld>
             <a:endParaRPr lang="en-US" dirty="0"/>
           </a:p>
@@ -1364,7 +1370,7 @@
           <a:p>
             <a:fld id="{4509A250-FF31-4206-8172-F9D3106AACB1}" type="datetimeFigureOut">
               <a:rPr lang="en-US" dirty="0"/>
-              <a:t>5/15/2024</a:t>
+              <a:t>8/30/2024</a:t>
             </a:fld>
             <a:endParaRPr lang="en-US" dirty="0"/>
           </a:p>
@@ -1982,7 +1988,7 @@
           <a:p>
             <a:fld id="{4509A250-FF31-4206-8172-F9D3106AACB1}" type="datetimeFigureOut">
               <a:rPr lang="en-US" dirty="0"/>
-              <a:t>5/15/2024</a:t>
+              <a:t>8/30/2024</a:t>
             </a:fld>
             <a:endParaRPr lang="en-US" dirty="0"/>
           </a:p>
@@ -2837,7 +2843,7 @@
           <a:p>
             <a:fld id="{4509A250-FF31-4206-8172-F9D3106AACB1}" type="datetimeFigureOut">
               <a:rPr lang="en-US" dirty="0"/>
-              <a:t>5/15/2024</a:t>
+              <a:t>8/30/2024</a:t>
             </a:fld>
             <a:endParaRPr lang="en-US" dirty="0"/>
           </a:p>
@@ -3002,7 +3008,7 @@
           <a:p>
             <a:fld id="{4509A250-FF31-4206-8172-F9D3106AACB1}" type="datetimeFigureOut">
               <a:rPr lang="en-US" dirty="0"/>
-              <a:t>5/15/2024</a:t>
+              <a:t>8/30/2024</a:t>
             </a:fld>
             <a:endParaRPr lang="en-US" dirty="0"/>
           </a:p>
@@ -3177,7 +3183,7 @@
           <a:p>
             <a:fld id="{4509A250-FF31-4206-8172-F9D3106AACB1}" type="datetimeFigureOut">
               <a:rPr lang="en-US" dirty="0"/>
-              <a:t>5/15/2024</a:t>
+              <a:t>8/30/2024</a:t>
             </a:fld>
             <a:endParaRPr lang="en-US" dirty="0"/>
           </a:p>
@@ -3342,7 +3348,7 @@
           <a:p>
             <a:fld id="{4509A250-FF31-4206-8172-F9D3106AACB1}" type="datetimeFigureOut">
               <a:rPr lang="en-US" dirty="0"/>
-              <a:t>5/15/2024</a:t>
+              <a:t>8/30/2024</a:t>
             </a:fld>
             <a:endParaRPr lang="en-US" dirty="0"/>
           </a:p>
@@ -3584,7 +3590,7 @@
           <a:p>
             <a:fld id="{9796027F-7875-4030-9381-8BD8C4F21935}" type="datetimeFigureOut">
               <a:rPr lang="en-US" dirty="0"/>
-              <a:t>5/15/2024</a:t>
+              <a:t>8/30/2024</a:t>
             </a:fld>
             <a:endParaRPr lang="en-US" dirty="0"/>
           </a:p>
@@ -3871,7 +3877,7 @@
           <a:p>
             <a:fld id="{9796027F-7875-4030-9381-8BD8C4F21935}" type="datetimeFigureOut">
               <a:rPr lang="en-US" dirty="0"/>
-              <a:t>5/15/2024</a:t>
+              <a:t>8/30/2024</a:t>
             </a:fld>
             <a:endParaRPr lang="en-US" dirty="0"/>
           </a:p>
@@ -4310,7 +4316,7 @@
           <a:p>
             <a:fld id="{9796027F-7875-4030-9381-8BD8C4F21935}" type="datetimeFigureOut">
               <a:rPr lang="en-US" dirty="0"/>
-              <a:t>5/15/2024</a:t>
+              <a:t>8/30/2024</a:t>
             </a:fld>
             <a:endParaRPr lang="en-US" dirty="0"/>
           </a:p>
@@ -4423,7 +4429,7 @@
           <a:p>
             <a:fld id="{4509A250-FF31-4206-8172-F9D3106AACB1}" type="datetimeFigureOut">
               <a:rPr lang="en-US" dirty="0"/>
-              <a:t>5/15/2024</a:t>
+              <a:t>8/30/2024</a:t>
             </a:fld>
             <a:endParaRPr lang="en-US" dirty="0"/>
           </a:p>
@@ -4513,7 +4519,7 @@
           <a:p>
             <a:fld id="{4509A250-FF31-4206-8172-F9D3106AACB1}" type="datetimeFigureOut">
               <a:rPr lang="en-US" dirty="0"/>
-              <a:t>5/15/2024</a:t>
+              <a:t>8/30/2024</a:t>
             </a:fld>
             <a:endParaRPr lang="en-US" dirty="0"/>
           </a:p>
@@ -4787,7 +4793,7 @@
           <a:p>
             <a:fld id="{4509A250-FF31-4206-8172-F9D3106AACB1}" type="datetimeFigureOut">
               <a:rPr lang="en-US" dirty="0"/>
-              <a:t>5/15/2024</a:t>
+              <a:t>8/30/2024</a:t>
             </a:fld>
             <a:endParaRPr lang="en-US" dirty="0"/>
           </a:p>
@@ -5057,7 +5063,7 @@
           <a:p>
             <a:fld id="{4509A250-FF31-4206-8172-F9D3106AACB1}" type="datetimeFigureOut">
               <a:rPr lang="en-US" dirty="0"/>
-              <a:t>5/15/2024</a:t>
+              <a:t>8/30/2024</a:t>
             </a:fld>
             <a:endParaRPr lang="en-US" dirty="0"/>
           </a:p>
@@ -5481,7 +5487,7 @@
           <a:p>
             <a:fld id="{4AAD347D-5ACD-4C99-B74B-A9C85AD731AF}" type="datetimeFigureOut">
               <a:rPr lang="en-US" dirty="0"/>
-              <a:t>5/15/2024</a:t>
+              <a:t>8/30/2024</a:t>
             </a:fld>
             <a:endParaRPr lang="en-US" dirty="0"/>
           </a:p>
@@ -6022,35 +6028,15 @@
           <a:p>
             <a:r>
               <a:rPr lang="en-US" dirty="0" smtClean="0"/>
-              <a:t>            </a:t>
-            </a:r>
-            <a:r>
-              <a:rPr lang="en-US" sz="3600" dirty="0" smtClean="0"/>
-              <a:t>SIMPLE TASK </a:t>
-            </a:r>
-            <a:r>
-              <a:rPr lang="en-US" sz="3600" dirty="0" err="1" smtClean="0"/>
-              <a:t>MANAG</a:t>
-            </a:r>
-            <a:r>
-              <a:rPr lang="en-US" dirty="0" err="1"/>
-              <a:t>Individuals</a:t>
-            </a:r>
-            <a:r>
-              <a:rPr lang="en-US"/>
-              <a:t> can use a simple task manager to keep track of their daily to-do lists, upcoming deadlines, appointments, and other commitments.</a:t>
-            </a:r>
-            <a:r>
-              <a:rPr lang="en-US" sz="3600" smtClean="0"/>
-              <a:t>ER</a:t>
-            </a:r>
-            <a:endParaRPr lang="en-US" sz="3600" dirty="0"/>
-          </a:p>
-        </p:txBody>
-      </p:sp>
-      <p:sp>
-        <p:nvSpPr>
-          <p:cNvPr id="7" name="Content Placeholder 6"/>
+              <a:t>       </a:t>
+            </a:r>
+            <a:endParaRPr lang="en-US" dirty="0"/>
+          </a:p>
+        </p:txBody>
+      </p:sp>
+      <p:sp>
+        <p:nvSpPr>
+          <p:cNvPr id="3" name="Content Placeholder 2"/>
           <p:cNvSpPr>
             <a:spLocks noGrp="1"/>
           </p:cNvSpPr>
@@ -6058,12 +6044,7 @@
             <p:ph idx="1"/>
           </p:nvPr>
         </p:nvSpPr>
-        <p:spPr>
-          <a:xfrm>
-            <a:off x="646111" y="2320119"/>
-            <a:ext cx="8961913" cy="4105701"/>
-          </a:xfrm>
-        </p:spPr>
+        <p:spPr/>
         <p:txBody>
           <a:bodyPr/>
           <a:lstStyle/>
@@ -6073,28 +6054,102 @@
             </a:pPr>
             <a:r>
               <a:rPr lang="en-US" dirty="0" smtClean="0"/>
-              <a:t>                    A </a:t>
-            </a:r>
-            <a:r>
-              <a:rPr lang="en-US" dirty="0"/>
-              <a:t>simple task manager is a software application designed to help users organize, prioritize, and track tasks or activities. It typically provides a user-friendly interface where users can create, edit, and delete tasks, set deadlines or reminders, and categorize tasks based on different criteria such as priority, status, or project</a:t>
-            </a:r>
-            <a:r>
-              <a:rPr lang="en-US" dirty="0" smtClean="0"/>
-              <a:t>.</a:t>
-            </a:r>
-            <a:r>
-              <a:rPr lang="en-US" dirty="0"/>
-              <a:t> Individuals can use a simple task manager to keep track of their daily to-do lists, upcoming deadlines, appointments, and other commitments.</a:t>
-            </a:r>
-            <a:endParaRPr lang="en-US" dirty="0"/>
+              <a:t>                                </a:t>
+            </a:r>
+            <a:r>
+              <a:rPr lang="en-US" sz="3200" dirty="0" smtClean="0"/>
+              <a:t>SIMPLE TASK MANAGER</a:t>
+            </a:r>
+            <a:endParaRPr lang="en-US" sz="3200" dirty="0"/>
           </a:p>
         </p:txBody>
       </p:sp>
     </p:spTree>
     <p:extLst>
       <p:ext uri="{BB962C8B-B14F-4D97-AF65-F5344CB8AC3E}">
-        <p14:creationId xmlns:p14="http://schemas.microsoft.com/office/powerpoint/2010/main" val="4226020880"/>
+        <p14:creationId xmlns:p14="http://schemas.microsoft.com/office/powerpoint/2010/main" val="2146975050"/>
+      </p:ext>
+    </p:extLst>
+  </p:cSld>
+  <p:clrMapOvr>
+    <a:masterClrMapping/>
+  </p:clrMapOvr>
+  <p:timing>
+    <p:tnLst>
+      <p:par>
+        <p:cTn id="1" dur="indefinite" restart="never" nodeType="tmRoot"/>
+      </p:par>
+    </p:tnLst>
+  </p:timing>
+</p:sld>
+</file>
+
+<file path=ppt/slides/slide10.xml><?xml version="1.0" encoding="utf-8"?>
+<p:sld xmlns:a="http://schemas.openxmlformats.org/drawingml/2006/main" xmlns:r="http://schemas.openxmlformats.org/officeDocument/2006/relationships" xmlns:p="http://schemas.openxmlformats.org/presentationml/2006/main">
+  <p:cSld>
+    <p:spTree>
+      <p:nvGrpSpPr>
+        <p:cNvPr id="1" name=""/>
+        <p:cNvGrpSpPr/>
+        <p:nvPr/>
+      </p:nvGrpSpPr>
+      <p:grpSpPr>
+        <a:xfrm>
+          <a:off x="0" y="0"/>
+          <a:ext cx="0" cy="0"/>
+          <a:chOff x="0" y="0"/>
+          <a:chExt cx="0" cy="0"/>
+        </a:xfrm>
+      </p:grpSpPr>
+      <p:sp>
+        <p:nvSpPr>
+          <p:cNvPr id="2" name="Title 1"/>
+          <p:cNvSpPr>
+            <a:spLocks noGrp="1"/>
+          </p:cNvSpPr>
+          <p:nvPr>
+            <p:ph type="title"/>
+          </p:nvPr>
+        </p:nvSpPr>
+        <p:spPr/>
+        <p:txBody>
+          <a:bodyPr/>
+          <a:lstStyle/>
+          <a:p>
+            <a:endParaRPr lang="en-US"/>
+          </a:p>
+        </p:txBody>
+      </p:sp>
+      <p:pic>
+        <p:nvPicPr>
+          <p:cNvPr id="4" name="Content Placeholder 3"/>
+          <p:cNvPicPr>
+            <a:picLocks noGrp="1" noChangeAspect="1"/>
+          </p:cNvPicPr>
+          <p:nvPr>
+            <p:ph idx="1"/>
+          </p:nvPr>
+        </p:nvPicPr>
+        <p:blipFill>
+          <a:blip r:embed="rId2"/>
+          <a:stretch>
+            <a:fillRect/>
+          </a:stretch>
+        </p:blipFill>
+        <p:spPr>
+          <a:xfrm>
+            <a:off x="1059607" y="1152984"/>
+            <a:ext cx="5952558" cy="2654742"/>
+          </a:xfrm>
+          <a:prstGeom prst="rect">
+            <a:avLst/>
+          </a:prstGeom>
+        </p:spPr>
+      </p:pic>
+    </p:spTree>
+    <p:extLst>
+      <p:ext uri="{BB962C8B-B14F-4D97-AF65-F5344CB8AC3E}">
+        <p14:creationId xmlns:p14="http://schemas.microsoft.com/office/powerpoint/2010/main" val="2111066856"/>
       </p:ext>
     </p:extLst>
   </p:cSld>
@@ -6105,6 +6160,106 @@
 </file>
 
 <file path=ppt/slides/slide2.xml><?xml version="1.0" encoding="utf-8"?>
+<p:sld xmlns:a="http://schemas.openxmlformats.org/drawingml/2006/main" xmlns:r="http://schemas.openxmlformats.org/officeDocument/2006/relationships" xmlns:p="http://schemas.openxmlformats.org/presentationml/2006/main">
+  <p:cSld>
+    <p:spTree>
+      <p:nvGrpSpPr>
+        <p:cNvPr id="1" name=""/>
+        <p:cNvGrpSpPr/>
+        <p:nvPr/>
+      </p:nvGrpSpPr>
+      <p:grpSpPr>
+        <a:xfrm>
+          <a:off x="0" y="0"/>
+          <a:ext cx="0" cy="0"/>
+          <a:chOff x="0" y="0"/>
+          <a:chExt cx="0" cy="0"/>
+        </a:xfrm>
+      </p:grpSpPr>
+      <p:sp>
+        <p:nvSpPr>
+          <p:cNvPr id="2" name="Title 1"/>
+          <p:cNvSpPr>
+            <a:spLocks noGrp="1"/>
+          </p:cNvSpPr>
+          <p:nvPr>
+            <p:ph type="title"/>
+          </p:nvPr>
+        </p:nvSpPr>
+        <p:spPr/>
+        <p:txBody>
+          <a:bodyPr/>
+          <a:lstStyle/>
+          <a:p>
+            <a:r>
+              <a:rPr lang="en-US" dirty="0" smtClean="0"/>
+              <a:t>INTRODUCTION</a:t>
+            </a:r>
+            <a:endParaRPr lang="en-US" dirty="0"/>
+          </a:p>
+        </p:txBody>
+      </p:sp>
+      <p:sp>
+        <p:nvSpPr>
+          <p:cNvPr id="3" name="Content Placeholder 2"/>
+          <p:cNvSpPr>
+            <a:spLocks noGrp="1"/>
+          </p:cNvSpPr>
+          <p:nvPr>
+            <p:ph idx="1"/>
+          </p:nvPr>
+        </p:nvSpPr>
+        <p:spPr/>
+        <p:txBody>
+          <a:bodyPr/>
+          <a:lstStyle/>
+          <a:p>
+            <a:pPr marL="0" indent="0">
+              <a:buNone/>
+            </a:pPr>
+            <a:r>
+              <a:rPr lang="en-US" smtClean="0"/>
+              <a:t>        A </a:t>
+            </a:r>
+            <a:r>
+              <a:rPr lang="en-US" dirty="0"/>
+              <a:t>simple task manager is a software application designed to help users organize, prioritize, and track tasks or activities. It typically provides a user-friendly </a:t>
+            </a:r>
+            <a:r>
+              <a:rPr lang="en-US" dirty="0" err="1"/>
+              <a:t>inteface</a:t>
+            </a:r>
+            <a:r>
+              <a:rPr lang="en-US" dirty="0"/>
+              <a:t> where users can create, edit, and delete tasks, set deadlines or reminders, and categorize tasks based on different criteria such as priority, status, or project. Individuals can use a simple task manager to keep track of their daily to-do lists, upcoming deadlines, appointments, and other commitments.</a:t>
+            </a:r>
+          </a:p>
+          <a:p>
+            <a:endParaRPr lang="en-US" dirty="0"/>
+          </a:p>
+        </p:txBody>
+      </p:sp>
+    </p:spTree>
+    <p:extLst>
+      <p:ext uri="{BB962C8B-B14F-4D97-AF65-F5344CB8AC3E}">
+        <p14:creationId xmlns:p14="http://schemas.microsoft.com/office/powerpoint/2010/main" val="2216693603"/>
+      </p:ext>
+    </p:extLst>
+  </p:cSld>
+  <p:clrMapOvr>
+    <a:masterClrMapping/>
+  </p:clrMapOvr>
+  <p:timing>
+    <p:tnLst>
+      <p:par>
+        <p:cTn id="1" dur="indefinite" restart="never" nodeType="tmRoot"/>
+      </p:par>
+    </p:tnLst>
+  </p:timing>
+</p:sld>
+</file>
+
+<file path=ppt/slides/slide3.xml><?xml version="1.0" encoding="utf-8"?>
 <p:sld xmlns:a="http://schemas.openxmlformats.org/drawingml/2006/main" xmlns:r="http://schemas.openxmlformats.org/officeDocument/2006/relationships" xmlns:p="http://schemas.openxmlformats.org/presentationml/2006/main">
   <p:cSld>
     <p:spTree>
@@ -6176,10 +6331,17 @@
   <p:clrMapOvr>
     <a:masterClrMapping/>
   </p:clrMapOvr>
+  <p:timing>
+    <p:tnLst>
+      <p:par>
+        <p:cTn id="1" dur="indefinite" restart="never" nodeType="tmRoot"/>
+      </p:par>
+    </p:tnLst>
+  </p:timing>
 </p:sld>
 </file>
 
-<file path=ppt/slides/slide3.xml><?xml version="1.0" encoding="utf-8"?>
+<file path=ppt/slides/slide4.xml><?xml version="1.0" encoding="utf-8"?>
 <p:sld xmlns:a="http://schemas.openxmlformats.org/drawingml/2006/main" xmlns:r="http://schemas.openxmlformats.org/officeDocument/2006/relationships" xmlns:p="http://schemas.openxmlformats.org/presentationml/2006/main">
   <p:cSld>
     <p:spTree>
@@ -6251,10 +6413,17 @@
   <p:clrMapOvr>
     <a:masterClrMapping/>
   </p:clrMapOvr>
+  <p:timing>
+    <p:tnLst>
+      <p:par>
+        <p:cTn id="1" dur="indefinite" restart="never" nodeType="tmRoot"/>
+      </p:par>
+    </p:tnLst>
+  </p:timing>
 </p:sld>
 </file>
 
-<file path=ppt/slides/slide4.xml><?xml version="1.0" encoding="utf-8"?>
+<file path=ppt/slides/slide5.xml><?xml version="1.0" encoding="utf-8"?>
 <p:sld xmlns:a="http://schemas.openxmlformats.org/drawingml/2006/main" xmlns:r="http://schemas.openxmlformats.org/officeDocument/2006/relationships" xmlns:p="http://schemas.openxmlformats.org/presentationml/2006/main">
   <p:cSld>
     <p:spTree>
@@ -6326,10 +6495,17 @@
   <p:clrMapOvr>
     <a:masterClrMapping/>
   </p:clrMapOvr>
+  <p:timing>
+    <p:tnLst>
+      <p:par>
+        <p:cTn id="1" dur="indefinite" restart="never" nodeType="tmRoot"/>
+      </p:par>
+    </p:tnLst>
+  </p:timing>
 </p:sld>
 </file>
 
-<file path=ppt/slides/slide5.xml><?xml version="1.0" encoding="utf-8"?>
+<file path=ppt/slides/slide6.xml><?xml version="1.0" encoding="utf-8"?>
 <p:sld xmlns:a="http://schemas.openxmlformats.org/drawingml/2006/main" xmlns:r="http://schemas.openxmlformats.org/officeDocument/2006/relationships" xmlns:p="http://schemas.openxmlformats.org/presentationml/2006/main">
   <p:cSld>
     <p:spTree>
@@ -6401,10 +6577,17 @@
   <p:clrMapOvr>
     <a:masterClrMapping/>
   </p:clrMapOvr>
+  <p:timing>
+    <p:tnLst>
+      <p:par>
+        <p:cTn id="1" dur="indefinite" restart="never" nodeType="tmRoot"/>
+      </p:par>
+    </p:tnLst>
+  </p:timing>
 </p:sld>
 </file>
 
-<file path=ppt/slides/slide6.xml><?xml version="1.0" encoding="utf-8"?>
+<file path=ppt/slides/slide7.xml><?xml version="1.0" encoding="utf-8"?>
 <p:sld xmlns:a="http://schemas.openxmlformats.org/drawingml/2006/main" xmlns:r="http://schemas.openxmlformats.org/officeDocument/2006/relationships" xmlns:p="http://schemas.openxmlformats.org/presentationml/2006/main">
   <p:cSld>
     <p:spTree>
@@ -6476,10 +6659,17 @@
   <p:clrMapOvr>
     <a:masterClrMapping/>
   </p:clrMapOvr>
+  <p:timing>
+    <p:tnLst>
+      <p:par>
+        <p:cTn id="1" dur="indefinite" restart="never" nodeType="tmRoot"/>
+      </p:par>
+    </p:tnLst>
+  </p:timing>
 </p:sld>
 </file>
 
-<file path=ppt/slides/slide7.xml><?xml version="1.0" encoding="utf-8"?>
+<file path=ppt/slides/slide8.xml><?xml version="1.0" encoding="utf-8"?>
 <p:sld xmlns:a="http://schemas.openxmlformats.org/drawingml/2006/main" xmlns:r="http://schemas.openxmlformats.org/officeDocument/2006/relationships" xmlns:p="http://schemas.openxmlformats.org/presentationml/2006/main">
   <p:cSld>
     <p:spTree>
@@ -6554,7 +6744,7 @@
 </p:sld>
 </file>
 
-<file path=ppt/slides/slide8.xml><?xml version="1.0" encoding="utf-8"?>
+<file path=ppt/slides/slide9.xml><?xml version="1.0" encoding="utf-8"?>
 <p:sld xmlns:a="http://schemas.openxmlformats.org/drawingml/2006/main" xmlns:r="http://schemas.openxmlformats.org/officeDocument/2006/relationships" xmlns:p="http://schemas.openxmlformats.org/presentationml/2006/main">
   <p:cSld>
     <p:spTree>
@@ -6620,81 +6810,6 @@
     <p:extLst>
       <p:ext uri="{BB962C8B-B14F-4D97-AF65-F5344CB8AC3E}">
         <p14:creationId xmlns:p14="http://schemas.microsoft.com/office/powerpoint/2010/main" val="3850840200"/>
-      </p:ext>
-    </p:extLst>
-  </p:cSld>
-  <p:clrMapOvr>
-    <a:masterClrMapping/>
-  </p:clrMapOvr>
-</p:sld>
-</file>
-
-<file path=ppt/slides/slide9.xml><?xml version="1.0" encoding="utf-8"?>
-<p:sld xmlns:a="http://schemas.openxmlformats.org/drawingml/2006/main" xmlns:r="http://schemas.openxmlformats.org/officeDocument/2006/relationships" xmlns:p="http://schemas.openxmlformats.org/presentationml/2006/main">
-  <p:cSld>
-    <p:spTree>
-      <p:nvGrpSpPr>
-        <p:cNvPr id="1" name=""/>
-        <p:cNvGrpSpPr/>
-        <p:nvPr/>
-      </p:nvGrpSpPr>
-      <p:grpSpPr>
-        <a:xfrm>
-          <a:off x="0" y="0"/>
-          <a:ext cx="0" cy="0"/>
-          <a:chOff x="0" y="0"/>
-          <a:chExt cx="0" cy="0"/>
-        </a:xfrm>
-      </p:grpSpPr>
-      <p:sp>
-        <p:nvSpPr>
-          <p:cNvPr id="2" name="Title 1"/>
-          <p:cNvSpPr>
-            <a:spLocks noGrp="1"/>
-          </p:cNvSpPr>
-          <p:nvPr>
-            <p:ph type="title"/>
-          </p:nvPr>
-        </p:nvSpPr>
-        <p:spPr/>
-        <p:txBody>
-          <a:bodyPr/>
-          <a:lstStyle/>
-          <a:p>
-            <a:endParaRPr lang="en-US"/>
-          </a:p>
-        </p:txBody>
-      </p:sp>
-      <p:pic>
-        <p:nvPicPr>
-          <p:cNvPr id="4" name="Content Placeholder 3"/>
-          <p:cNvPicPr>
-            <a:picLocks noGrp="1" noChangeAspect="1"/>
-          </p:cNvPicPr>
-          <p:nvPr>
-            <p:ph idx="1"/>
-          </p:nvPr>
-        </p:nvPicPr>
-        <p:blipFill>
-          <a:blip r:embed="rId2"/>
-          <a:stretch>
-            <a:fillRect/>
-          </a:stretch>
-        </p:blipFill>
-        <p:spPr>
-          <a:xfrm>
-            <a:off x="1059607" y="1152984"/>
-            <a:ext cx="5952558" cy="2654742"/>
-          </a:xfrm>
-          <a:prstGeom prst="rect">
-            <a:avLst/>
-          </a:prstGeom>
-        </p:spPr>
-      </p:pic>
-    </p:spTree>
-    <p:extLst>
-      <p:ext uri="{BB962C8B-B14F-4D97-AF65-F5344CB8AC3E}">
-        <p14:creationId xmlns:p14="http://schemas.microsoft.com/office/powerpoint/2010/main" val="2111066856"/>
       </p:ext>
     </p:extLst>
   </p:cSld>
